--- a/WebRoot/print/effectiveJava学习分享.pptx
+++ b/WebRoot/print/effectiveJava学习分享.pptx
@@ -10,6 +10,8 @@
     <p:sldId id="259" r:id="rId4"/>
     <p:sldId id="258" r:id="rId5"/>
     <p:sldId id="260" r:id="rId6"/>
+    <p:sldId id="261" r:id="rId7"/>
+    <p:sldId id="263" r:id="rId8"/>
   </p:sldIdLst>
   <p:sldSz cx="9144000" cy="6858000" type="screen4x3"/>
   <p:notesSz cx="6858000" cy="9144000"/>
@@ -293,7 +295,7 @@
             <a:fld id="{530820CF-B880-4189-942D-D702A7CBA730}" type="datetimeFigureOut">
               <a:rPr lang="zh-CN" altLang="en-US" smtClean="0"/>
               <a:pPr/>
-              <a:t>2013-8-16</a:t>
+              <a:t>2013-8-19</a:t>
             </a:fld>
             <a:endParaRPr lang="zh-CN" altLang="en-US"/>
           </a:p>
@@ -460,7 +462,7 @@
             <a:fld id="{530820CF-B880-4189-942D-D702A7CBA730}" type="datetimeFigureOut">
               <a:rPr lang="zh-CN" altLang="en-US" smtClean="0"/>
               <a:pPr/>
-              <a:t>2013-8-16</a:t>
+              <a:t>2013-8-19</a:t>
             </a:fld>
             <a:endParaRPr lang="zh-CN" altLang="en-US"/>
           </a:p>
@@ -637,7 +639,7 @@
             <a:fld id="{530820CF-B880-4189-942D-D702A7CBA730}" type="datetimeFigureOut">
               <a:rPr lang="zh-CN" altLang="en-US" smtClean="0"/>
               <a:pPr/>
-              <a:t>2013-8-16</a:t>
+              <a:t>2013-8-19</a:t>
             </a:fld>
             <a:endParaRPr lang="zh-CN" altLang="en-US"/>
           </a:p>
@@ -804,7 +806,7 @@
             <a:fld id="{530820CF-B880-4189-942D-D702A7CBA730}" type="datetimeFigureOut">
               <a:rPr lang="zh-CN" altLang="en-US" smtClean="0"/>
               <a:pPr/>
-              <a:t>2013-8-16</a:t>
+              <a:t>2013-8-19</a:t>
             </a:fld>
             <a:endParaRPr lang="zh-CN" altLang="en-US"/>
           </a:p>
@@ -1047,7 +1049,7 @@
             <a:fld id="{530820CF-B880-4189-942D-D702A7CBA730}" type="datetimeFigureOut">
               <a:rPr lang="zh-CN" altLang="en-US" smtClean="0"/>
               <a:pPr/>
-              <a:t>2013-8-16</a:t>
+              <a:t>2013-8-19</a:t>
             </a:fld>
             <a:endParaRPr lang="zh-CN" altLang="en-US"/>
           </a:p>
@@ -1332,7 +1334,7 @@
             <a:fld id="{530820CF-B880-4189-942D-D702A7CBA730}" type="datetimeFigureOut">
               <a:rPr lang="zh-CN" altLang="en-US" smtClean="0"/>
               <a:pPr/>
-              <a:t>2013-8-16</a:t>
+              <a:t>2013-8-19</a:t>
             </a:fld>
             <a:endParaRPr lang="zh-CN" altLang="en-US"/>
           </a:p>
@@ -1751,7 +1753,7 @@
             <a:fld id="{530820CF-B880-4189-942D-D702A7CBA730}" type="datetimeFigureOut">
               <a:rPr lang="zh-CN" altLang="en-US" smtClean="0"/>
               <a:pPr/>
-              <a:t>2013-8-16</a:t>
+              <a:t>2013-8-19</a:t>
             </a:fld>
             <a:endParaRPr lang="zh-CN" altLang="en-US"/>
           </a:p>
@@ -1866,7 +1868,7 @@
             <a:fld id="{530820CF-B880-4189-942D-D702A7CBA730}" type="datetimeFigureOut">
               <a:rPr lang="zh-CN" altLang="en-US" smtClean="0"/>
               <a:pPr/>
-              <a:t>2013-8-16</a:t>
+              <a:t>2013-8-19</a:t>
             </a:fld>
             <a:endParaRPr lang="zh-CN" altLang="en-US"/>
           </a:p>
@@ -1958,7 +1960,7 @@
             <a:fld id="{530820CF-B880-4189-942D-D702A7CBA730}" type="datetimeFigureOut">
               <a:rPr lang="zh-CN" altLang="en-US" smtClean="0"/>
               <a:pPr/>
-              <a:t>2013-8-16</a:t>
+              <a:t>2013-8-19</a:t>
             </a:fld>
             <a:endParaRPr lang="zh-CN" altLang="en-US"/>
           </a:p>
@@ -2232,7 +2234,7 @@
             <a:fld id="{530820CF-B880-4189-942D-D702A7CBA730}" type="datetimeFigureOut">
               <a:rPr lang="zh-CN" altLang="en-US" smtClean="0"/>
               <a:pPr/>
-              <a:t>2013-8-16</a:t>
+              <a:t>2013-8-19</a:t>
             </a:fld>
             <a:endParaRPr lang="zh-CN" altLang="en-US"/>
           </a:p>
@@ -2482,7 +2484,7 @@
             <a:fld id="{530820CF-B880-4189-942D-D702A7CBA730}" type="datetimeFigureOut">
               <a:rPr lang="zh-CN" altLang="en-US" smtClean="0"/>
               <a:pPr/>
-              <a:t>2013-8-16</a:t>
+              <a:t>2013-8-19</a:t>
             </a:fld>
             <a:endParaRPr lang="zh-CN" altLang="en-US"/>
           </a:p>
@@ -2692,7 +2694,7 @@
             <a:fld id="{530820CF-B880-4189-942D-D702A7CBA730}" type="datetimeFigureOut">
               <a:rPr lang="zh-CN" altLang="en-US" smtClean="0"/>
               <a:pPr/>
-              <a:t>2013-8-16</a:t>
+              <a:t>2013-8-19</a:t>
             </a:fld>
             <a:endParaRPr lang="zh-CN" altLang="en-US"/>
           </a:p>
@@ -3092,11 +3094,7 @@
             </a:r>
             <a:r>
               <a:rPr lang="zh-CN" altLang="en-US" dirty="0" smtClean="0"/>
-              <a:t>学习</a:t>
-            </a:r>
-            <a:r>
-              <a:rPr lang="zh-CN" altLang="en-US" dirty="0" smtClean="0"/>
-              <a:t>分享</a:t>
+              <a:t>学习分享</a:t>
             </a:r>
             <a:endParaRPr lang="zh-CN" altLang="en-US" dirty="0"/>
           </a:p>
@@ -3268,10 +3266,6 @@
               <a:rPr lang="en-US" altLang="zh-CN" dirty="0" smtClean="0"/>
               <a:t>    } </a:t>
             </a:r>
-            <a:r>
-              <a:rPr lang="en-US" altLang="zh-CN" dirty="0" smtClean="0"/>
-              <a:t/>
-            </a:r>
             <a:br>
               <a:rPr lang="en-US" altLang="zh-CN" dirty="0" smtClean="0"/>
             </a:br>
@@ -3291,15 +3285,7 @@
             </a:r>
             <a:r>
               <a:rPr lang="zh-CN" altLang="en-US" dirty="0" smtClean="0"/>
-              <a:t>，有名称</a:t>
-            </a:r>
-            <a:r>
-              <a:rPr lang="zh-CN" altLang="en-US" dirty="0" smtClean="0"/>
-              <a:t>有名称可以更容易理解，和使用 比如</a:t>
-            </a:r>
-            <a:r>
-              <a:rPr lang="zh-CN" altLang="en-US" dirty="0" smtClean="0"/>
-              <a:t>：构造器</a:t>
+              <a:t>，有名称有名称可以更容易理解，和使用 比如：构造器</a:t>
             </a:r>
             <a:r>
               <a:rPr lang="en-US" altLang="zh-CN" dirty="0" err="1" smtClean="0"/>
@@ -3722,9 +3708,188 @@
           <a:lstStyle/>
           <a:p>
             <a:r>
-              <a:rPr lang="zh-CN" altLang="en-US" smtClean="0"/>
-              <a:t>类如果不含共有的或者受保护的构造器，就不能被子类化。</a:t>
-            </a:r>
+              <a:rPr lang="zh-CN" altLang="en-US" dirty="0" smtClean="0"/>
+              <a:t>类如果不含共有的或者受保护的构造器，就不能被子类化</a:t>
+            </a:r>
+            <a:r>
+              <a:rPr lang="zh-CN" altLang="en-US" dirty="0" smtClean="0"/>
+              <a:t>。</a:t>
+            </a:r>
+            <a:endParaRPr lang="en-US" altLang="zh-CN" dirty="0" smtClean="0"/>
+          </a:p>
+          <a:p>
+            <a:r>
+              <a:rPr lang="zh-CN" altLang="en-US" dirty="0" smtClean="0"/>
+              <a:t>它们与其他的静态方法实际上没有任何区别。（容易混淆）</a:t>
+            </a:r>
+            <a:endParaRPr lang="zh-CN" altLang="en-US" dirty="0"/>
+          </a:p>
+        </p:txBody>
+      </p:sp>
+    </p:spTree>
+  </p:cSld>
+  <p:clrMapOvr>
+    <a:masterClrMapping/>
+  </p:clrMapOvr>
+</p:sld>
+</file>
+
+<file path=ppt/slides/slide6.xml><?xml version="1.0" encoding="utf-8"?>
+<p:sld xmlns:a="http://schemas.openxmlformats.org/drawingml/2006/main" xmlns:r="http://schemas.openxmlformats.org/officeDocument/2006/relationships" xmlns:p="http://schemas.openxmlformats.org/presentationml/2006/main">
+  <p:cSld>
+    <p:spTree>
+      <p:nvGrpSpPr>
+        <p:cNvPr id="1" name=""/>
+        <p:cNvGrpSpPr/>
+        <p:nvPr/>
+      </p:nvGrpSpPr>
+      <p:grpSpPr>
+        <a:xfrm>
+          <a:off x="0" y="0"/>
+          <a:ext cx="0" cy="0"/>
+          <a:chOff x="0" y="0"/>
+          <a:chExt cx="0" cy="0"/>
+        </a:xfrm>
+      </p:grpSpPr>
+      <p:sp>
+        <p:nvSpPr>
+          <p:cNvPr id="2" name="标题 1"/>
+          <p:cNvSpPr>
+            <a:spLocks noGrp="1"/>
+          </p:cNvSpPr>
+          <p:nvPr>
+            <p:ph type="title"/>
+          </p:nvPr>
+        </p:nvSpPr>
+        <p:spPr/>
+        <p:txBody>
+          <a:bodyPr>
+            <a:normAutofit fontScale="90000"/>
+          </a:bodyPr>
+          <a:lstStyle/>
+          <a:p>
+            <a:pPr marL="857250" indent="-857250"/>
+            <a:r>
+              <a:rPr lang="zh-CN" altLang="en-US" dirty="0" smtClean="0"/>
+              <a:t>二</a:t>
+            </a:r>
+            <a:r>
+              <a:rPr lang="en-US" altLang="zh-CN" dirty="0" smtClean="0"/>
+              <a:t>.</a:t>
+            </a:r>
+            <a:r>
+              <a:rPr lang="zh-CN" altLang="en-US" dirty="0" smtClean="0"/>
+              <a:t>遇到多个构造参数时要考虑用构建器</a:t>
+            </a:r>
+            <a:endParaRPr lang="zh-CN" altLang="en-US" dirty="0"/>
+          </a:p>
+        </p:txBody>
+      </p:sp>
+      <p:pic>
+        <p:nvPicPr>
+          <p:cNvPr id="4" name="内容占位符 3" descr="RTX截图未命名16.png"/>
+          <p:cNvPicPr>
+            <a:picLocks noGrp="1" noChangeAspect="1"/>
+          </p:cNvPicPr>
+          <p:nvPr>
+            <p:ph idx="1"/>
+          </p:nvPr>
+        </p:nvPicPr>
+        <p:blipFill>
+          <a:blip r:embed="rId2" cstate="print"/>
+          <a:stretch>
+            <a:fillRect/>
+          </a:stretch>
+        </p:blipFill>
+        <p:spPr>
+          <a:xfrm>
+            <a:off x="1619672" y="836712"/>
+            <a:ext cx="6048672" cy="6668803"/>
+          </a:xfrm>
+        </p:spPr>
+      </p:pic>
+    </p:spTree>
+  </p:cSld>
+  <p:clrMapOvr>
+    <a:masterClrMapping/>
+  </p:clrMapOvr>
+</p:sld>
+</file>
+
+<file path=ppt/slides/slide7.xml><?xml version="1.0" encoding="utf-8"?>
+<p:sld xmlns:a="http://schemas.openxmlformats.org/drawingml/2006/main" xmlns:r="http://schemas.openxmlformats.org/officeDocument/2006/relationships" xmlns:p="http://schemas.openxmlformats.org/presentationml/2006/main">
+  <p:cSld>
+    <p:spTree>
+      <p:nvGrpSpPr>
+        <p:cNvPr id="1" name=""/>
+        <p:cNvGrpSpPr/>
+        <p:nvPr/>
+      </p:nvGrpSpPr>
+      <p:grpSpPr>
+        <a:xfrm>
+          <a:off x="0" y="0"/>
+          <a:ext cx="0" cy="0"/>
+          <a:chOff x="0" y="0"/>
+          <a:chExt cx="0" cy="0"/>
+        </a:xfrm>
+      </p:grpSpPr>
+      <p:sp>
+        <p:nvSpPr>
+          <p:cNvPr id="2" name="标题 1"/>
+          <p:cNvSpPr>
+            <a:spLocks noGrp="1"/>
+          </p:cNvSpPr>
+          <p:nvPr>
+            <p:ph type="title"/>
+          </p:nvPr>
+        </p:nvSpPr>
+        <p:spPr/>
+        <p:txBody>
+          <a:bodyPr/>
+          <a:lstStyle/>
+          <a:p>
+            <a:r>
+              <a:rPr lang="zh-CN" altLang="en-US" smtClean="0"/>
+              <a:t>遇到多个构造参数时要考虑用构</a:t>
+            </a:r>
+            <a:endParaRPr lang="zh-CN" altLang="en-US" dirty="0"/>
+          </a:p>
+        </p:txBody>
+      </p:sp>
+      <p:sp>
+        <p:nvSpPr>
+          <p:cNvPr id="3" name="内容占位符 2"/>
+          <p:cNvSpPr>
+            <a:spLocks noGrp="1"/>
+          </p:cNvSpPr>
+          <p:nvPr>
+            <p:ph sz="half" idx="1"/>
+          </p:nvPr>
+        </p:nvSpPr>
+        <p:spPr/>
+        <p:txBody>
+          <a:bodyPr/>
+          <a:lstStyle/>
+          <a:p>
+            <a:endParaRPr lang="zh-CN" altLang="en-US"/>
+          </a:p>
+        </p:txBody>
+      </p:sp>
+      <p:sp>
+        <p:nvSpPr>
+          <p:cNvPr id="4" name="内容占位符 3"/>
+          <p:cNvSpPr>
+            <a:spLocks noGrp="1"/>
+          </p:cNvSpPr>
+          <p:nvPr>
+            <p:ph sz="half" idx="2"/>
+          </p:nvPr>
+        </p:nvSpPr>
+        <p:spPr/>
+        <p:txBody>
+          <a:bodyPr/>
+          <a:lstStyle/>
+          <a:p>
             <a:endParaRPr lang="zh-CN" altLang="en-US"/>
           </a:p>
         </p:txBody>

--- a/WebRoot/print/effectiveJava学习分享.pptx
+++ b/WebRoot/print/effectiveJava学习分享.pptx
@@ -12,6 +12,15 @@
     <p:sldId id="260" r:id="rId6"/>
     <p:sldId id="261" r:id="rId7"/>
     <p:sldId id="263" r:id="rId8"/>
+    <p:sldId id="264" r:id="rId9"/>
+    <p:sldId id="265" r:id="rId10"/>
+    <p:sldId id="266" r:id="rId11"/>
+    <p:sldId id="267" r:id="rId12"/>
+    <p:sldId id="268" r:id="rId13"/>
+    <p:sldId id="269" r:id="rId14"/>
+    <p:sldId id="270" r:id="rId15"/>
+    <p:sldId id="271" r:id="rId16"/>
+    <p:sldId id="272" r:id="rId17"/>
   </p:sldIdLst>
   <p:sldSz cx="9144000" cy="6858000" type="screen4x3"/>
   <p:notesSz cx="6858000" cy="9144000"/>
@@ -3105,6 +3114,631 @@
   <p:clrMapOvr>
     <a:masterClrMapping/>
   </p:clrMapOvr>
+  <p:timing>
+    <p:tnLst>
+      <p:par>
+        <p:cTn id="1" dur="indefinite" restart="never" nodeType="tmRoot"/>
+      </p:par>
+    </p:tnLst>
+  </p:timing>
+</p:sld>
+</file>
+
+<file path=ppt/slides/slide10.xml><?xml version="1.0" encoding="utf-8"?>
+<p:sld xmlns:a="http://schemas.openxmlformats.org/drawingml/2006/main" xmlns:r="http://schemas.openxmlformats.org/officeDocument/2006/relationships" xmlns:p="http://schemas.openxmlformats.org/presentationml/2006/main">
+  <p:cSld>
+    <p:spTree>
+      <p:nvGrpSpPr>
+        <p:cNvPr id="1" name=""/>
+        <p:cNvGrpSpPr/>
+        <p:nvPr/>
+      </p:nvGrpSpPr>
+      <p:grpSpPr>
+        <a:xfrm>
+          <a:off x="0" y="0"/>
+          <a:ext cx="0" cy="0"/>
+          <a:chOff x="0" y="0"/>
+          <a:chExt cx="0" cy="0"/>
+        </a:xfrm>
+      </p:grpSpPr>
+      <p:sp>
+        <p:nvSpPr>
+          <p:cNvPr id="3" name="内容占位符 2"/>
+          <p:cNvSpPr>
+            <a:spLocks noGrp="1"/>
+          </p:cNvSpPr>
+          <p:nvPr>
+            <p:ph idx="1"/>
+          </p:nvPr>
+        </p:nvSpPr>
+        <p:spPr>
+          <a:xfrm>
+            <a:off x="457200" y="332656"/>
+            <a:ext cx="8229600" cy="5793507"/>
+          </a:xfrm>
+        </p:spPr>
+        <p:txBody>
+          <a:bodyPr/>
+          <a:lstStyle/>
+          <a:p>
+            <a:r>
+              <a:rPr lang="en-US" altLang="zh-CN" dirty="0" smtClean="0"/>
+              <a:t>Java1.5</a:t>
+            </a:r>
+            <a:r>
+              <a:rPr lang="zh-CN" altLang="en-US" dirty="0" smtClean="0"/>
+              <a:t>以后</a:t>
+            </a:r>
+            <a:endParaRPr lang="en-US" altLang="zh-CN" dirty="0" smtClean="0"/>
+          </a:p>
+          <a:p>
+            <a:endParaRPr lang="zh-CN" altLang="en-US" dirty="0"/>
+          </a:p>
+        </p:txBody>
+      </p:sp>
+      <p:pic>
+        <p:nvPicPr>
+          <p:cNvPr id="4" name="图片 3" descr="RTX截图未命名24.png"/>
+          <p:cNvPicPr>
+            <a:picLocks noChangeAspect="1"/>
+          </p:cNvPicPr>
+          <p:nvPr/>
+        </p:nvPicPr>
+        <p:blipFill>
+          <a:blip r:embed="rId2" cstate="print"/>
+          <a:stretch>
+            <a:fillRect/>
+          </a:stretch>
+        </p:blipFill>
+        <p:spPr>
+          <a:xfrm>
+            <a:off x="0" y="1795803"/>
+            <a:ext cx="9144000" cy="3266393"/>
+          </a:xfrm>
+          <a:prstGeom prst="rect">
+            <a:avLst/>
+          </a:prstGeom>
+        </p:spPr>
+      </p:pic>
+    </p:spTree>
+  </p:cSld>
+  <p:clrMapOvr>
+    <a:masterClrMapping/>
+  </p:clrMapOvr>
+  <p:timing>
+    <p:tnLst>
+      <p:par>
+        <p:cTn id="1" dur="indefinite" restart="never" nodeType="tmRoot"/>
+      </p:par>
+    </p:tnLst>
+  </p:timing>
+</p:sld>
+</file>
+
+<file path=ppt/slides/slide11.xml><?xml version="1.0" encoding="utf-8"?>
+<p:sld xmlns:a="http://schemas.openxmlformats.org/drawingml/2006/main" xmlns:r="http://schemas.openxmlformats.org/officeDocument/2006/relationships" xmlns:p="http://schemas.openxmlformats.org/presentationml/2006/main">
+  <p:cSld>
+    <p:spTree>
+      <p:nvGrpSpPr>
+        <p:cNvPr id="1" name=""/>
+        <p:cNvGrpSpPr/>
+        <p:nvPr/>
+      </p:nvGrpSpPr>
+      <p:grpSpPr>
+        <a:xfrm>
+          <a:off x="0" y="0"/>
+          <a:ext cx="0" cy="0"/>
+          <a:chOff x="0" y="0"/>
+          <a:chExt cx="0" cy="0"/>
+        </a:xfrm>
+      </p:grpSpPr>
+      <p:sp>
+        <p:nvSpPr>
+          <p:cNvPr id="2" name="标题 1"/>
+          <p:cNvSpPr>
+            <a:spLocks noGrp="1"/>
+          </p:cNvSpPr>
+          <p:nvPr>
+            <p:ph type="title"/>
+          </p:nvPr>
+        </p:nvSpPr>
+        <p:spPr/>
+        <p:txBody>
+          <a:bodyPr>
+            <a:normAutofit fontScale="90000"/>
+          </a:bodyPr>
+          <a:lstStyle/>
+          <a:p>
+            <a:r>
+              <a:rPr lang="zh-CN" altLang="en-US" dirty="0" smtClean="0"/>
+              <a:t>第四条：通过私有构造器强化不可实例化的能力。</a:t>
+            </a:r>
+            <a:endParaRPr lang="zh-CN" altLang="en-US" dirty="0"/>
+          </a:p>
+        </p:txBody>
+      </p:sp>
+      <p:pic>
+        <p:nvPicPr>
+          <p:cNvPr id="4" name="内容占位符 3" descr="RTX截图未命名25.png"/>
+          <p:cNvPicPr>
+            <a:picLocks noGrp="1" noChangeAspect="1"/>
+          </p:cNvPicPr>
+          <p:nvPr>
+            <p:ph idx="1"/>
+          </p:nvPr>
+        </p:nvPicPr>
+        <p:blipFill>
+          <a:blip r:embed="rId2" cstate="print"/>
+          <a:stretch>
+            <a:fillRect/>
+          </a:stretch>
+        </p:blipFill>
+        <p:spPr>
+          <a:xfrm>
+            <a:off x="457200" y="2995003"/>
+            <a:ext cx="8229600" cy="1736356"/>
+          </a:xfrm>
+        </p:spPr>
+      </p:pic>
+    </p:spTree>
+  </p:cSld>
+  <p:clrMapOvr>
+    <a:masterClrMapping/>
+  </p:clrMapOvr>
+</p:sld>
+</file>
+
+<file path=ppt/slides/slide12.xml><?xml version="1.0" encoding="utf-8"?>
+<p:sld xmlns:a="http://schemas.openxmlformats.org/drawingml/2006/main" xmlns:r="http://schemas.openxmlformats.org/officeDocument/2006/relationships" xmlns:p="http://schemas.openxmlformats.org/presentationml/2006/main">
+  <p:cSld>
+    <p:spTree>
+      <p:nvGrpSpPr>
+        <p:cNvPr id="1" name=""/>
+        <p:cNvGrpSpPr/>
+        <p:nvPr/>
+      </p:nvGrpSpPr>
+      <p:grpSpPr>
+        <a:xfrm>
+          <a:off x="0" y="0"/>
+          <a:ext cx="0" cy="0"/>
+          <a:chOff x="0" y="0"/>
+          <a:chExt cx="0" cy="0"/>
+        </a:xfrm>
+      </p:grpSpPr>
+      <p:sp>
+        <p:nvSpPr>
+          <p:cNvPr id="2" name="标题 1"/>
+          <p:cNvSpPr>
+            <a:spLocks noGrp="1"/>
+          </p:cNvSpPr>
+          <p:nvPr>
+            <p:ph type="title"/>
+          </p:nvPr>
+        </p:nvSpPr>
+        <p:spPr/>
+        <p:txBody>
+          <a:bodyPr/>
+          <a:lstStyle/>
+          <a:p>
+            <a:r>
+              <a:rPr lang="zh-CN" altLang="en-US" dirty="0" smtClean="0"/>
+              <a:t>第五条：避免创建不必要的对象</a:t>
+            </a:r>
+            <a:endParaRPr lang="zh-CN" altLang="en-US" dirty="0"/>
+          </a:p>
+        </p:txBody>
+      </p:sp>
+      <p:sp>
+        <p:nvSpPr>
+          <p:cNvPr id="3" name="内容占位符 2"/>
+          <p:cNvSpPr>
+            <a:spLocks noGrp="1"/>
+          </p:cNvSpPr>
+          <p:nvPr>
+            <p:ph idx="1"/>
+          </p:nvPr>
+        </p:nvSpPr>
+        <p:spPr/>
+        <p:txBody>
+          <a:bodyPr/>
+          <a:lstStyle/>
+          <a:p>
+            <a:r>
+              <a:rPr lang="zh-CN" altLang="en-US" dirty="0" smtClean="0"/>
+              <a:t>不好</a:t>
+            </a:r>
+            <a:r>
+              <a:rPr lang="zh-CN" altLang="en-US" dirty="0" smtClean="0"/>
+              <a:t>的例子：</a:t>
+            </a:r>
+            <a:endParaRPr lang="en-US" altLang="zh-CN" dirty="0" smtClean="0"/>
+          </a:p>
+          <a:p>
+            <a:r>
+              <a:rPr lang="en-US" altLang="zh-CN" dirty="0" smtClean="0"/>
+              <a:t>String s = new String(“</a:t>
+            </a:r>
+            <a:r>
+              <a:rPr lang="en-US" altLang="zh-CN" dirty="0" err="1" smtClean="0"/>
+              <a:t>stringgette</a:t>
+            </a:r>
+            <a:r>
+              <a:rPr lang="en-US" altLang="zh-CN" dirty="0" smtClean="0"/>
+              <a:t>”);//DON’T </a:t>
+            </a:r>
+          </a:p>
+          <a:p>
+            <a:r>
+              <a:rPr lang="zh-CN" altLang="en-US" dirty="0" smtClean="0"/>
+              <a:t>改进版本 </a:t>
+            </a:r>
+            <a:r>
+              <a:rPr lang="en-US" altLang="zh-CN" dirty="0" smtClean="0"/>
+              <a:t>:</a:t>
+            </a:r>
+          </a:p>
+          <a:p>
+            <a:r>
+              <a:rPr lang="en-US" altLang="zh-CN" dirty="0" smtClean="0"/>
+              <a:t>S </a:t>
+            </a:r>
+            <a:r>
+              <a:rPr lang="en-US" altLang="zh-CN" dirty="0" err="1" smtClean="0"/>
+              <a:t>tring</a:t>
+            </a:r>
+            <a:r>
+              <a:rPr lang="en-US" altLang="zh-CN" dirty="0" smtClean="0"/>
+              <a:t> s = “</a:t>
+            </a:r>
+            <a:r>
+              <a:rPr lang="en-US" altLang="zh-CN" dirty="0" err="1" smtClean="0"/>
+              <a:t>stringgette</a:t>
+            </a:r>
+            <a:r>
+              <a:rPr lang="en-US" altLang="zh-CN" dirty="0" smtClean="0"/>
+              <a:t>”;</a:t>
+            </a:r>
+          </a:p>
+        </p:txBody>
+      </p:sp>
+      <p:pic>
+        <p:nvPicPr>
+          <p:cNvPr id="4" name="图片 3" descr="RTX截图未命名26.png"/>
+          <p:cNvPicPr>
+            <a:picLocks noChangeAspect="1"/>
+          </p:cNvPicPr>
+          <p:nvPr/>
+        </p:nvPicPr>
+        <p:blipFill>
+          <a:blip r:embed="rId2" cstate="print"/>
+          <a:stretch>
+            <a:fillRect/>
+          </a:stretch>
+        </p:blipFill>
+        <p:spPr>
+          <a:xfrm>
+            <a:off x="0" y="4005064"/>
+            <a:ext cx="9144000" cy="3038564"/>
+          </a:xfrm>
+          <a:prstGeom prst="rect">
+            <a:avLst/>
+          </a:prstGeom>
+        </p:spPr>
+      </p:pic>
+    </p:spTree>
+  </p:cSld>
+  <p:clrMapOvr>
+    <a:masterClrMapping/>
+  </p:clrMapOvr>
+</p:sld>
+</file>
+
+<file path=ppt/slides/slide13.xml><?xml version="1.0" encoding="utf-8"?>
+<p:sld xmlns:a="http://schemas.openxmlformats.org/drawingml/2006/main" xmlns:r="http://schemas.openxmlformats.org/officeDocument/2006/relationships" xmlns:p="http://schemas.openxmlformats.org/presentationml/2006/main">
+  <p:cSld>
+    <p:spTree>
+      <p:nvGrpSpPr>
+        <p:cNvPr id="1" name=""/>
+        <p:cNvGrpSpPr/>
+        <p:nvPr/>
+      </p:nvGrpSpPr>
+      <p:grpSpPr>
+        <a:xfrm>
+          <a:off x="0" y="0"/>
+          <a:ext cx="0" cy="0"/>
+          <a:chOff x="0" y="0"/>
+          <a:chExt cx="0" cy="0"/>
+        </a:xfrm>
+      </p:grpSpPr>
+      <p:sp>
+        <p:nvSpPr>
+          <p:cNvPr id="2" name="标题 1"/>
+          <p:cNvSpPr>
+            <a:spLocks noGrp="1"/>
+          </p:cNvSpPr>
+          <p:nvPr>
+            <p:ph type="title"/>
+          </p:nvPr>
+        </p:nvSpPr>
+        <p:spPr/>
+        <p:txBody>
+          <a:bodyPr/>
+          <a:lstStyle/>
+          <a:p>
+            <a:r>
+              <a:rPr lang="zh-CN" altLang="en-US" dirty="0" smtClean="0"/>
+              <a:t>第六条：消除过期的对象引用</a:t>
+            </a:r>
+            <a:endParaRPr lang="zh-CN" altLang="en-US" dirty="0"/>
+          </a:p>
+        </p:txBody>
+      </p:sp>
+      <p:pic>
+        <p:nvPicPr>
+          <p:cNvPr id="4" name="内容占位符 3" descr="RTX截图未命名27.png"/>
+          <p:cNvPicPr>
+            <a:picLocks noGrp="1" noChangeAspect="1"/>
+          </p:cNvPicPr>
+          <p:nvPr>
+            <p:ph idx="1"/>
+          </p:nvPr>
+        </p:nvPicPr>
+        <p:blipFill>
+          <a:blip r:embed="rId2" cstate="print"/>
+          <a:stretch>
+            <a:fillRect/>
+          </a:stretch>
+        </p:blipFill>
+        <p:spPr>
+          <a:xfrm>
+            <a:off x="2148936" y="1600200"/>
+            <a:ext cx="4846128" cy="4525963"/>
+          </a:xfrm>
+        </p:spPr>
+      </p:pic>
+    </p:spTree>
+  </p:cSld>
+  <p:clrMapOvr>
+    <a:masterClrMapping/>
+  </p:clrMapOvr>
+</p:sld>
+</file>
+
+<file path=ppt/slides/slide14.xml><?xml version="1.0" encoding="utf-8"?>
+<p:sld xmlns:a="http://schemas.openxmlformats.org/drawingml/2006/main" xmlns:r="http://schemas.openxmlformats.org/officeDocument/2006/relationships" xmlns:p="http://schemas.openxmlformats.org/presentationml/2006/main">
+  <p:cSld>
+    <p:spTree>
+      <p:nvGrpSpPr>
+        <p:cNvPr id="1" name=""/>
+        <p:cNvGrpSpPr/>
+        <p:nvPr/>
+      </p:nvGrpSpPr>
+      <p:grpSpPr>
+        <a:xfrm>
+          <a:off x="0" y="0"/>
+          <a:ext cx="0" cy="0"/>
+          <a:chOff x="0" y="0"/>
+          <a:chExt cx="0" cy="0"/>
+        </a:xfrm>
+      </p:grpSpPr>
+      <p:sp>
+        <p:nvSpPr>
+          <p:cNvPr id="2" name="标题 1"/>
+          <p:cNvSpPr>
+            <a:spLocks noGrp="1"/>
+          </p:cNvSpPr>
+          <p:nvPr>
+            <p:ph type="title"/>
+          </p:nvPr>
+        </p:nvSpPr>
+        <p:spPr/>
+        <p:txBody>
+          <a:bodyPr/>
+          <a:lstStyle/>
+          <a:p>
+            <a:r>
+              <a:rPr lang="zh-CN" altLang="en-US" dirty="0" smtClean="0"/>
+              <a:t>解决办法</a:t>
+            </a:r>
+            <a:endParaRPr lang="zh-CN" altLang="en-US" dirty="0"/>
+          </a:p>
+        </p:txBody>
+      </p:sp>
+      <p:pic>
+        <p:nvPicPr>
+          <p:cNvPr id="4" name="内容占位符 3" descr="RTX截图未命名28.png"/>
+          <p:cNvPicPr>
+            <a:picLocks noGrp="1" noChangeAspect="1"/>
+          </p:cNvPicPr>
+          <p:nvPr>
+            <p:ph idx="1"/>
+          </p:nvPr>
+        </p:nvPicPr>
+        <p:blipFill>
+          <a:blip r:embed="rId2" cstate="print"/>
+          <a:stretch>
+            <a:fillRect/>
+          </a:stretch>
+        </p:blipFill>
+        <p:spPr>
+          <a:xfrm>
+            <a:off x="457200" y="2634426"/>
+            <a:ext cx="8229600" cy="2457511"/>
+          </a:xfrm>
+        </p:spPr>
+      </p:pic>
+    </p:spTree>
+  </p:cSld>
+  <p:clrMapOvr>
+    <a:masterClrMapping/>
+  </p:clrMapOvr>
+</p:sld>
+</file>
+
+<file path=ppt/slides/slide15.xml><?xml version="1.0" encoding="utf-8"?>
+<p:sld xmlns:a="http://schemas.openxmlformats.org/drawingml/2006/main" xmlns:r="http://schemas.openxmlformats.org/officeDocument/2006/relationships" xmlns:p="http://schemas.openxmlformats.org/presentationml/2006/main">
+  <p:cSld>
+    <p:spTree>
+      <p:nvGrpSpPr>
+        <p:cNvPr id="1" name=""/>
+        <p:cNvGrpSpPr/>
+        <p:nvPr/>
+      </p:nvGrpSpPr>
+      <p:grpSpPr>
+        <a:xfrm>
+          <a:off x="0" y="0"/>
+          <a:ext cx="0" cy="0"/>
+          <a:chOff x="0" y="0"/>
+          <a:chExt cx="0" cy="0"/>
+        </a:xfrm>
+      </p:grpSpPr>
+      <p:sp>
+        <p:nvSpPr>
+          <p:cNvPr id="3" name="内容占位符 2"/>
+          <p:cNvSpPr>
+            <a:spLocks noGrp="1"/>
+          </p:cNvSpPr>
+          <p:nvPr>
+            <p:ph idx="1"/>
+          </p:nvPr>
+        </p:nvSpPr>
+        <p:spPr>
+          <a:xfrm>
+            <a:off x="457200" y="548680"/>
+            <a:ext cx="8229600" cy="5577483"/>
+          </a:xfrm>
+        </p:spPr>
+        <p:txBody>
+          <a:bodyPr/>
+          <a:lstStyle/>
+          <a:p>
+            <a:endParaRPr lang="en-US" altLang="zh-CN" dirty="0" smtClean="0"/>
+          </a:p>
+          <a:p>
+            <a:endParaRPr lang="zh-CN" altLang="en-US" dirty="0"/>
+          </a:p>
+        </p:txBody>
+      </p:sp>
+      <p:pic>
+        <p:nvPicPr>
+          <p:cNvPr id="4" name="图片 3" descr="RTX截图未命名29.png"/>
+          <p:cNvPicPr>
+            <a:picLocks noChangeAspect="1"/>
+          </p:cNvPicPr>
+          <p:nvPr/>
+        </p:nvPicPr>
+        <p:blipFill>
+          <a:blip r:embed="rId2" cstate="print"/>
+          <a:stretch>
+            <a:fillRect/>
+          </a:stretch>
+        </p:blipFill>
+        <p:spPr>
+          <a:xfrm>
+            <a:off x="0" y="188640"/>
+            <a:ext cx="8952382" cy="2057143"/>
+          </a:xfrm>
+          <a:prstGeom prst="rect">
+            <a:avLst/>
+          </a:prstGeom>
+        </p:spPr>
+      </p:pic>
+      <p:pic>
+        <p:nvPicPr>
+          <p:cNvPr id="5" name="图片 4" descr="RTX截图未命名30.png"/>
+          <p:cNvPicPr>
+            <a:picLocks noChangeAspect="1"/>
+          </p:cNvPicPr>
+          <p:nvPr/>
+        </p:nvPicPr>
+        <p:blipFill>
+          <a:blip r:embed="rId3" cstate="print"/>
+          <a:stretch>
+            <a:fillRect/>
+          </a:stretch>
+        </p:blipFill>
+        <p:spPr>
+          <a:xfrm>
+            <a:off x="110095" y="2709952"/>
+            <a:ext cx="8923810" cy="1438095"/>
+          </a:xfrm>
+          <a:prstGeom prst="rect">
+            <a:avLst/>
+          </a:prstGeom>
+        </p:spPr>
+      </p:pic>
+    </p:spTree>
+  </p:cSld>
+  <p:clrMapOvr>
+    <a:masterClrMapping/>
+  </p:clrMapOvr>
+</p:sld>
+</file>
+
+<file path=ppt/slides/slide16.xml><?xml version="1.0" encoding="utf-8"?>
+<p:sld xmlns:a="http://schemas.openxmlformats.org/drawingml/2006/main" xmlns:r="http://schemas.openxmlformats.org/officeDocument/2006/relationships" xmlns:p="http://schemas.openxmlformats.org/presentationml/2006/main">
+  <p:cSld>
+    <p:spTree>
+      <p:nvGrpSpPr>
+        <p:cNvPr id="1" name=""/>
+        <p:cNvGrpSpPr/>
+        <p:nvPr/>
+      </p:nvGrpSpPr>
+      <p:grpSpPr>
+        <a:xfrm>
+          <a:off x="0" y="0"/>
+          <a:ext cx="0" cy="0"/>
+          <a:chOff x="0" y="0"/>
+          <a:chExt cx="0" cy="0"/>
+        </a:xfrm>
+      </p:grpSpPr>
+      <p:sp>
+        <p:nvSpPr>
+          <p:cNvPr id="2" name="标题 1"/>
+          <p:cNvSpPr>
+            <a:spLocks noGrp="1"/>
+          </p:cNvSpPr>
+          <p:nvPr>
+            <p:ph type="title"/>
+          </p:nvPr>
+        </p:nvSpPr>
+        <p:spPr/>
+        <p:txBody>
+          <a:bodyPr/>
+          <a:lstStyle/>
+          <a:p>
+            <a:r>
+              <a:rPr lang="zh-CN" altLang="en-US" dirty="0" smtClean="0"/>
+              <a:t>第七条：避免使用终结方法</a:t>
+            </a:r>
+            <a:endParaRPr lang="zh-CN" altLang="en-US" dirty="0"/>
+          </a:p>
+        </p:txBody>
+      </p:sp>
+      <p:sp>
+        <p:nvSpPr>
+          <p:cNvPr id="3" name="内容占位符 2"/>
+          <p:cNvSpPr>
+            <a:spLocks noGrp="1"/>
+          </p:cNvSpPr>
+          <p:nvPr>
+            <p:ph idx="1"/>
+          </p:nvPr>
+        </p:nvSpPr>
+        <p:spPr/>
+        <p:txBody>
+          <a:bodyPr/>
+          <a:lstStyle/>
+          <a:p>
+            <a:endParaRPr lang="zh-CN" altLang="en-US"/>
+          </a:p>
+        </p:txBody>
+      </p:sp>
+    </p:spTree>
+  </p:cSld>
+  <p:clrMapOvr>
+    <a:masterClrMapping/>
+  </p:clrMapOvr>
 </p:sld>
 </file>
 
@@ -3142,13 +3776,14 @@
           </a:bodyPr>
           <a:lstStyle/>
           <a:p>
-            <a:pPr marL="857250" indent="-857250">
-              <a:buFont typeface="+mj-ea"/>
-              <a:buAutoNum type="ea1JpnChsDbPeriod"/>
-            </a:pPr>
+            <a:pPr marL="857250" indent="-857250"/>
             <a:r>
               <a:rPr lang="zh-CN" altLang="en-US" dirty="0" smtClean="0"/>
-              <a:t>考虑用静态工厂方法代替构造器</a:t>
+              <a:t>第一条：考虑</a:t>
+            </a:r>
+            <a:r>
+              <a:rPr lang="zh-CN" altLang="en-US" dirty="0" smtClean="0"/>
+              <a:t>用静态工厂方法代替构造器</a:t>
             </a:r>
             <a:endParaRPr lang="zh-CN" altLang="en-US" dirty="0"/>
           </a:p>
@@ -3401,6 +4036,13 @@
   <p:clrMapOvr>
     <a:masterClrMapping/>
   </p:clrMapOvr>
+  <p:timing>
+    <p:tnLst>
+      <p:par>
+        <p:cTn id="1" dur="indefinite" restart="never" nodeType="tmRoot"/>
+      </p:par>
+    </p:tnLst>
+  </p:timing>
 </p:sld>
 </file>
 
@@ -3541,6 +4183,13 @@
   <p:clrMapOvr>
     <a:masterClrMapping/>
   </p:clrMapOvr>
+  <p:timing>
+    <p:tnLst>
+      <p:par>
+        <p:cTn id="1" dur="indefinite" restart="never" nodeType="tmRoot"/>
+      </p:par>
+    </p:tnLst>
+  </p:timing>
 </p:sld>
 </file>
 
@@ -3649,6 +4298,13 @@
   <p:clrMapOvr>
     <a:masterClrMapping/>
   </p:clrMapOvr>
+  <p:timing>
+    <p:tnLst>
+      <p:par>
+        <p:cTn id="1" dur="indefinite" restart="never" nodeType="tmRoot"/>
+      </p:par>
+    </p:tnLst>
+  </p:timing>
 </p:sld>
 </file>
 
@@ -3731,6 +4387,13 @@
   <p:clrMapOvr>
     <a:masterClrMapping/>
   </p:clrMapOvr>
+  <p:timing>
+    <p:tnLst>
+      <p:par>
+        <p:cTn id="1" dur="indefinite" restart="never" nodeType="tmRoot"/>
+      </p:par>
+    </p:tnLst>
+  </p:timing>
 </p:sld>
 </file>
 
@@ -3771,15 +4434,11 @@
             <a:pPr marL="857250" indent="-857250"/>
             <a:r>
               <a:rPr lang="zh-CN" altLang="en-US" dirty="0" smtClean="0"/>
-              <a:t>二</a:t>
-            </a:r>
-            <a:r>
-              <a:rPr lang="en-US" altLang="zh-CN" dirty="0" smtClean="0"/>
-              <a:t>.</a:t>
+              <a:t>第二</a:t>
             </a:r>
             <a:r>
               <a:rPr lang="zh-CN" altLang="en-US" dirty="0" smtClean="0"/>
-              <a:t>遇到多个构造参数时要考虑用构建器</a:t>
+              <a:t>条：遇到多个构造参数时要考虑用构建器</a:t>
             </a:r>
             <a:endParaRPr lang="zh-CN" altLang="en-US" dirty="0"/>
           </a:p>
@@ -3803,7 +4462,7 @@
         </p:blipFill>
         <p:spPr>
           <a:xfrm>
-            <a:off x="1619672" y="836712"/>
+            <a:off x="1619672" y="1556792"/>
             <a:ext cx="6048672" cy="6668803"/>
           </a:xfrm>
         </p:spPr>
@@ -3813,6 +4472,13 @@
   <p:clrMapOvr>
     <a:masterClrMapping/>
   </p:clrMapOvr>
+  <p:timing>
+    <p:tnLst>
+      <p:par>
+        <p:cTn id="1" dur="indefinite" restart="never" nodeType="tmRoot"/>
+      </p:par>
+    </p:tnLst>
+  </p:timing>
 </p:sld>
 </file>
 
@@ -3849,7 +4515,7 @@
           <a:lstStyle/>
           <a:p>
             <a:r>
-              <a:rPr lang="zh-CN" altLang="en-US" smtClean="0"/>
+              <a:rPr lang="zh-CN" altLang="en-US" dirty="0" smtClean="0"/>
               <a:t>遇到多个构造参数时要考虑用构</a:t>
             </a:r>
             <a:endParaRPr lang="zh-CN" altLang="en-US" dirty="0"/>
@@ -3871,7 +4537,11 @@
           <a:bodyPr/>
           <a:lstStyle/>
           <a:p>
-            <a:endParaRPr lang="zh-CN" altLang="en-US"/>
+            <a:r>
+              <a:rPr lang="zh-CN" altLang="en-US" dirty="0" smtClean="0"/>
+              <a:t>一般做法</a:t>
+            </a:r>
+            <a:endParaRPr lang="zh-CN" altLang="en-US" dirty="0"/>
           </a:p>
         </p:txBody>
       </p:sp>
@@ -3890,15 +4560,339 @@
           <a:bodyPr/>
           <a:lstStyle/>
           <a:p>
-            <a:endParaRPr lang="zh-CN" altLang="en-US"/>
-          </a:p>
-        </p:txBody>
-      </p:sp>
+            <a:r>
+              <a:rPr lang="zh-CN" altLang="en-US" dirty="0" smtClean="0"/>
+              <a:t>构建器</a:t>
+            </a:r>
+            <a:endParaRPr lang="zh-CN" altLang="en-US" dirty="0"/>
+          </a:p>
+        </p:txBody>
+      </p:sp>
+      <p:pic>
+        <p:nvPicPr>
+          <p:cNvPr id="5" name="图片 4" descr="RTX截图未命名16.png"/>
+          <p:cNvPicPr>
+            <a:picLocks noChangeAspect="1"/>
+          </p:cNvPicPr>
+          <p:nvPr/>
+        </p:nvPicPr>
+        <p:blipFill>
+          <a:blip r:embed="rId2" cstate="print"/>
+          <a:stretch>
+            <a:fillRect/>
+          </a:stretch>
+        </p:blipFill>
+        <p:spPr>
+          <a:xfrm>
+            <a:off x="-468560" y="2204864"/>
+            <a:ext cx="4833087" cy="5328592"/>
+          </a:xfrm>
+          <a:prstGeom prst="rect">
+            <a:avLst/>
+          </a:prstGeom>
+        </p:spPr>
+      </p:pic>
+      <p:pic>
+        <p:nvPicPr>
+          <p:cNvPr id="6" name="图片 5" descr="RTX截图未命名17.png"/>
+          <p:cNvPicPr>
+            <a:picLocks noChangeAspect="1"/>
+          </p:cNvPicPr>
+          <p:nvPr/>
+        </p:nvPicPr>
+        <p:blipFill>
+          <a:blip r:embed="rId3" cstate="print"/>
+          <a:stretch>
+            <a:fillRect/>
+          </a:stretch>
+        </p:blipFill>
+        <p:spPr>
+          <a:xfrm>
+            <a:off x="4788025" y="2132856"/>
+            <a:ext cx="4680520" cy="5501388"/>
+          </a:xfrm>
+          <a:prstGeom prst="rect">
+            <a:avLst/>
+          </a:prstGeom>
+        </p:spPr>
+      </p:pic>
+      <p:pic>
+        <p:nvPicPr>
+          <p:cNvPr id="7" name="图片 6" descr="RTX截图未命名18.png"/>
+          <p:cNvPicPr>
+            <a:picLocks noChangeAspect="1"/>
+          </p:cNvPicPr>
+          <p:nvPr/>
+        </p:nvPicPr>
+        <p:blipFill>
+          <a:blip r:embed="rId4" cstate="print"/>
+          <a:stretch>
+            <a:fillRect/>
+          </a:stretch>
+        </p:blipFill>
+        <p:spPr>
+          <a:xfrm>
+            <a:off x="5148064" y="7605464"/>
+            <a:ext cx="5238096" cy="1038095"/>
+          </a:xfrm>
+          <a:prstGeom prst="rect">
+            <a:avLst/>
+          </a:prstGeom>
+        </p:spPr>
+      </p:pic>
+      <p:pic>
+        <p:nvPicPr>
+          <p:cNvPr id="8" name="图片 7" descr="RTX截图未命名20.png"/>
+          <p:cNvPicPr>
+            <a:picLocks noChangeAspect="1"/>
+          </p:cNvPicPr>
+          <p:nvPr/>
+        </p:nvPicPr>
+        <p:blipFill>
+          <a:blip r:embed="rId5" cstate="print"/>
+          <a:stretch>
+            <a:fillRect/>
+          </a:stretch>
+        </p:blipFill>
+        <p:spPr>
+          <a:xfrm>
+            <a:off x="4644008" y="8613576"/>
+            <a:ext cx="5723810" cy="990476"/>
+          </a:xfrm>
+          <a:prstGeom prst="rect">
+            <a:avLst/>
+          </a:prstGeom>
+        </p:spPr>
+      </p:pic>
     </p:spTree>
   </p:cSld>
   <p:clrMapOvr>
     <a:masterClrMapping/>
   </p:clrMapOvr>
+  <p:timing>
+    <p:tnLst>
+      <p:par>
+        <p:cTn id="1" dur="indefinite" restart="never" nodeType="tmRoot"/>
+      </p:par>
+    </p:tnLst>
+  </p:timing>
+</p:sld>
+</file>
+
+<file path=ppt/slides/slide8.xml><?xml version="1.0" encoding="utf-8"?>
+<p:sld xmlns:a="http://schemas.openxmlformats.org/drawingml/2006/main" xmlns:r="http://schemas.openxmlformats.org/officeDocument/2006/relationships" xmlns:p="http://schemas.openxmlformats.org/presentationml/2006/main">
+  <p:cSld>
+    <p:spTree>
+      <p:nvGrpSpPr>
+        <p:cNvPr id="1" name=""/>
+        <p:cNvGrpSpPr/>
+        <p:nvPr/>
+      </p:nvGrpSpPr>
+      <p:grpSpPr>
+        <a:xfrm>
+          <a:off x="0" y="0"/>
+          <a:ext cx="0" cy="0"/>
+          <a:chOff x="0" y="0"/>
+          <a:chExt cx="0" cy="0"/>
+        </a:xfrm>
+      </p:grpSpPr>
+      <p:pic>
+        <p:nvPicPr>
+          <p:cNvPr id="6" name="内容占位符 5" descr="RTX截图未命名21.png"/>
+          <p:cNvPicPr>
+            <a:picLocks noGrp="1" noChangeAspect="1"/>
+          </p:cNvPicPr>
+          <p:nvPr>
+            <p:ph idx="1"/>
+          </p:nvPr>
+        </p:nvPicPr>
+        <p:blipFill>
+          <a:blip r:embed="rId2" cstate="print"/>
+          <a:stretch>
+            <a:fillRect/>
+          </a:stretch>
+        </p:blipFill>
+        <p:spPr>
+          <a:xfrm>
+            <a:off x="457200" y="2232449"/>
+            <a:ext cx="8229600" cy="2210540"/>
+          </a:xfrm>
+        </p:spPr>
+      </p:pic>
+    </p:spTree>
+  </p:cSld>
+  <p:clrMapOvr>
+    <a:masterClrMapping/>
+  </p:clrMapOvr>
+  <p:timing>
+    <p:tnLst>
+      <p:par>
+        <p:cTn id="1" dur="indefinite" restart="never" nodeType="tmRoot"/>
+      </p:par>
+    </p:tnLst>
+  </p:timing>
+</p:sld>
+</file>
+
+<file path=ppt/slides/slide9.xml><?xml version="1.0" encoding="utf-8"?>
+<p:sld xmlns:a="http://schemas.openxmlformats.org/drawingml/2006/main" xmlns:r="http://schemas.openxmlformats.org/officeDocument/2006/relationships" xmlns:p="http://schemas.openxmlformats.org/presentationml/2006/main">
+  <p:cSld>
+    <p:spTree>
+      <p:nvGrpSpPr>
+        <p:cNvPr id="1" name=""/>
+        <p:cNvGrpSpPr/>
+        <p:nvPr/>
+      </p:nvGrpSpPr>
+      <p:grpSpPr>
+        <a:xfrm>
+          <a:off x="0" y="0"/>
+          <a:ext cx="0" cy="0"/>
+          <a:chOff x="0" y="0"/>
+          <a:chExt cx="0" cy="0"/>
+        </a:xfrm>
+      </p:grpSpPr>
+      <p:sp>
+        <p:nvSpPr>
+          <p:cNvPr id="2" name="标题 1"/>
+          <p:cNvSpPr>
+            <a:spLocks noGrp="1"/>
+          </p:cNvSpPr>
+          <p:nvPr>
+            <p:ph type="title"/>
+          </p:nvPr>
+        </p:nvSpPr>
+        <p:spPr/>
+        <p:txBody>
+          <a:bodyPr>
+            <a:normAutofit fontScale="90000"/>
+          </a:bodyPr>
+          <a:lstStyle/>
+          <a:p>
+            <a:r>
+              <a:rPr lang="zh-CN" altLang="en-US" dirty="0" smtClean="0"/>
+              <a:t>第三条：用私有构造器或者枚举类型强化</a:t>
+            </a:r>
+            <a:r>
+              <a:rPr lang="en-US" altLang="zh-CN" dirty="0" smtClean="0"/>
+              <a:t>singleton</a:t>
+            </a:r>
+            <a:r>
+              <a:rPr lang="zh-CN" altLang="en-US" dirty="0" smtClean="0"/>
+              <a:t>属性</a:t>
+            </a:r>
+            <a:endParaRPr lang="zh-CN" altLang="en-US" dirty="0"/>
+          </a:p>
+        </p:txBody>
+      </p:sp>
+      <p:sp>
+        <p:nvSpPr>
+          <p:cNvPr id="3" name="内容占位符 2"/>
+          <p:cNvSpPr>
+            <a:spLocks noGrp="1"/>
+          </p:cNvSpPr>
+          <p:nvPr>
+            <p:ph idx="1"/>
+          </p:nvPr>
+        </p:nvSpPr>
+        <p:spPr/>
+        <p:txBody>
+          <a:bodyPr/>
+          <a:lstStyle/>
+          <a:p>
+            <a:r>
+              <a:rPr lang="en-US" altLang="zh-CN" dirty="0" smtClean="0"/>
+              <a:t>Java1.5</a:t>
+            </a:r>
+            <a:r>
+              <a:rPr lang="zh-CN" altLang="en-US" dirty="0" smtClean="0"/>
+              <a:t>之前的两种实现单例方法：</a:t>
+            </a:r>
+            <a:endParaRPr lang="en-US" altLang="zh-CN" dirty="0" smtClean="0"/>
+          </a:p>
+          <a:p>
+            <a:endParaRPr lang="en-US" altLang="zh-CN" dirty="0" smtClean="0"/>
+          </a:p>
+          <a:p>
+            <a:endParaRPr lang="en-US" altLang="zh-CN" dirty="0" smtClean="0"/>
+          </a:p>
+          <a:p>
+            <a:endParaRPr lang="en-US" altLang="zh-CN" dirty="0" smtClean="0"/>
+          </a:p>
+          <a:p>
+            <a:endParaRPr lang="en-US" altLang="zh-CN" dirty="0" smtClean="0"/>
+          </a:p>
+          <a:p>
+            <a:r>
+              <a:rPr lang="zh-CN" altLang="en-US" dirty="0" smtClean="0"/>
+              <a:t>第二种：</a:t>
+            </a:r>
+            <a:endParaRPr lang="en-US" altLang="zh-CN" dirty="0" smtClean="0"/>
+          </a:p>
+          <a:p>
+            <a:endParaRPr lang="zh-CN" altLang="en-US" dirty="0"/>
+          </a:p>
+        </p:txBody>
+      </p:sp>
+      <p:pic>
+        <p:nvPicPr>
+          <p:cNvPr id="4" name="图片 3" descr="RTX截图未命名22.png"/>
+          <p:cNvPicPr>
+            <a:picLocks noChangeAspect="1"/>
+          </p:cNvPicPr>
+          <p:nvPr/>
+        </p:nvPicPr>
+        <p:blipFill>
+          <a:blip r:embed="rId2" cstate="print"/>
+          <a:stretch>
+            <a:fillRect/>
+          </a:stretch>
+        </p:blipFill>
+        <p:spPr>
+          <a:xfrm>
+            <a:off x="115428" y="2276872"/>
+            <a:ext cx="9028572" cy="2190476"/>
+          </a:xfrm>
+          <a:prstGeom prst="rect">
+            <a:avLst/>
+          </a:prstGeom>
+        </p:spPr>
+      </p:pic>
+      <p:pic>
+        <p:nvPicPr>
+          <p:cNvPr id="5" name="图片 4" descr="RTX截图未命名23.png"/>
+          <p:cNvPicPr>
+            <a:picLocks noChangeAspect="1"/>
+          </p:cNvPicPr>
+          <p:nvPr/>
+        </p:nvPicPr>
+        <p:blipFill>
+          <a:blip r:embed="rId3" cstate="print"/>
+          <a:stretch>
+            <a:fillRect/>
+          </a:stretch>
+        </p:blipFill>
+        <p:spPr>
+          <a:xfrm>
+            <a:off x="611560" y="5013176"/>
+            <a:ext cx="8200001" cy="2076191"/>
+          </a:xfrm>
+          <a:prstGeom prst="rect">
+            <a:avLst/>
+          </a:prstGeom>
+        </p:spPr>
+      </p:pic>
+    </p:spTree>
+  </p:cSld>
+  <p:clrMapOvr>
+    <a:masterClrMapping/>
+  </p:clrMapOvr>
+  <p:timing>
+    <p:tnLst>
+      <p:par>
+        <p:cTn id="1" dur="indefinite" restart="never" nodeType="tmRoot"/>
+      </p:par>
+    </p:tnLst>
+  </p:timing>
 </p:sld>
 </file>
 

--- a/WebRoot/print/effectiveJava学习分享.pptx
+++ b/WebRoot/print/effectiveJava学习分享.pptx
@@ -21,6 +21,7 @@
     <p:sldId id="270" r:id="rId15"/>
     <p:sldId id="271" r:id="rId16"/>
     <p:sldId id="272" r:id="rId17"/>
+    <p:sldId id="273" r:id="rId18"/>
   </p:sldIdLst>
   <p:sldSz cx="9144000" cy="6858000" type="screen4x3"/>
   <p:notesSz cx="6858000" cy="9144000"/>
@@ -304,7 +305,7 @@
             <a:fld id="{530820CF-B880-4189-942D-D702A7CBA730}" type="datetimeFigureOut">
               <a:rPr lang="zh-CN" altLang="en-US" smtClean="0"/>
               <a:pPr/>
-              <a:t>2013-8-19</a:t>
+              <a:t>2013-8-20</a:t>
             </a:fld>
             <a:endParaRPr lang="zh-CN" altLang="en-US"/>
           </a:p>
@@ -471,7 +472,7 @@
             <a:fld id="{530820CF-B880-4189-942D-D702A7CBA730}" type="datetimeFigureOut">
               <a:rPr lang="zh-CN" altLang="en-US" smtClean="0"/>
               <a:pPr/>
-              <a:t>2013-8-19</a:t>
+              <a:t>2013-8-20</a:t>
             </a:fld>
             <a:endParaRPr lang="zh-CN" altLang="en-US"/>
           </a:p>
@@ -648,7 +649,7 @@
             <a:fld id="{530820CF-B880-4189-942D-D702A7CBA730}" type="datetimeFigureOut">
               <a:rPr lang="zh-CN" altLang="en-US" smtClean="0"/>
               <a:pPr/>
-              <a:t>2013-8-19</a:t>
+              <a:t>2013-8-20</a:t>
             </a:fld>
             <a:endParaRPr lang="zh-CN" altLang="en-US"/>
           </a:p>
@@ -815,7 +816,7 @@
             <a:fld id="{530820CF-B880-4189-942D-D702A7CBA730}" type="datetimeFigureOut">
               <a:rPr lang="zh-CN" altLang="en-US" smtClean="0"/>
               <a:pPr/>
-              <a:t>2013-8-19</a:t>
+              <a:t>2013-8-20</a:t>
             </a:fld>
             <a:endParaRPr lang="zh-CN" altLang="en-US"/>
           </a:p>
@@ -1058,7 +1059,7 @@
             <a:fld id="{530820CF-B880-4189-942D-D702A7CBA730}" type="datetimeFigureOut">
               <a:rPr lang="zh-CN" altLang="en-US" smtClean="0"/>
               <a:pPr/>
-              <a:t>2013-8-19</a:t>
+              <a:t>2013-8-20</a:t>
             </a:fld>
             <a:endParaRPr lang="zh-CN" altLang="en-US"/>
           </a:p>
@@ -1343,7 +1344,7 @@
             <a:fld id="{530820CF-B880-4189-942D-D702A7CBA730}" type="datetimeFigureOut">
               <a:rPr lang="zh-CN" altLang="en-US" smtClean="0"/>
               <a:pPr/>
-              <a:t>2013-8-19</a:t>
+              <a:t>2013-8-20</a:t>
             </a:fld>
             <a:endParaRPr lang="zh-CN" altLang="en-US"/>
           </a:p>
@@ -1762,7 +1763,7 @@
             <a:fld id="{530820CF-B880-4189-942D-D702A7CBA730}" type="datetimeFigureOut">
               <a:rPr lang="zh-CN" altLang="en-US" smtClean="0"/>
               <a:pPr/>
-              <a:t>2013-8-19</a:t>
+              <a:t>2013-8-20</a:t>
             </a:fld>
             <a:endParaRPr lang="zh-CN" altLang="en-US"/>
           </a:p>
@@ -1877,7 +1878,7 @@
             <a:fld id="{530820CF-B880-4189-942D-D702A7CBA730}" type="datetimeFigureOut">
               <a:rPr lang="zh-CN" altLang="en-US" smtClean="0"/>
               <a:pPr/>
-              <a:t>2013-8-19</a:t>
+              <a:t>2013-8-20</a:t>
             </a:fld>
             <a:endParaRPr lang="zh-CN" altLang="en-US"/>
           </a:p>
@@ -1969,7 +1970,7 @@
             <a:fld id="{530820CF-B880-4189-942D-D702A7CBA730}" type="datetimeFigureOut">
               <a:rPr lang="zh-CN" altLang="en-US" smtClean="0"/>
               <a:pPr/>
-              <a:t>2013-8-19</a:t>
+              <a:t>2013-8-20</a:t>
             </a:fld>
             <a:endParaRPr lang="zh-CN" altLang="en-US"/>
           </a:p>
@@ -2243,7 +2244,7 @@
             <a:fld id="{530820CF-B880-4189-942D-D702A7CBA730}" type="datetimeFigureOut">
               <a:rPr lang="zh-CN" altLang="en-US" smtClean="0"/>
               <a:pPr/>
-              <a:t>2013-8-19</a:t>
+              <a:t>2013-8-20</a:t>
             </a:fld>
             <a:endParaRPr lang="zh-CN" altLang="en-US"/>
           </a:p>
@@ -2493,7 +2494,7 @@
             <a:fld id="{530820CF-B880-4189-942D-D702A7CBA730}" type="datetimeFigureOut">
               <a:rPr lang="zh-CN" altLang="en-US" smtClean="0"/>
               <a:pPr/>
-              <a:t>2013-8-19</a:t>
+              <a:t>2013-8-20</a:t>
             </a:fld>
             <a:endParaRPr lang="zh-CN" altLang="en-US"/>
           </a:p>
@@ -2703,7 +2704,7 @@
             <a:fld id="{530820CF-B880-4189-942D-D702A7CBA730}" type="datetimeFigureOut">
               <a:rPr lang="zh-CN" altLang="en-US" smtClean="0"/>
               <a:pPr/>
-              <a:t>2013-8-19</a:t>
+              <a:t>2013-8-20</a:t>
             </a:fld>
             <a:endParaRPr lang="zh-CN" altLang="en-US"/>
           </a:p>
@@ -3345,11 +3346,7 @@
           <a:p>
             <a:r>
               <a:rPr lang="zh-CN" altLang="en-US" dirty="0" smtClean="0"/>
-              <a:t>不好</a:t>
-            </a:r>
-            <a:r>
-              <a:rPr lang="zh-CN" altLang="en-US" dirty="0" smtClean="0"/>
-              <a:t>的例子：</a:t>
+              <a:t>不好的例子：</a:t>
             </a:r>
             <a:endParaRPr lang="en-US" altLang="zh-CN" dirty="0" smtClean="0"/>
           </a:p>
@@ -3715,25 +3712,101 @@
           </a:p>
         </p:txBody>
       </p:sp>
-      <p:sp>
-        <p:nvSpPr>
-          <p:cNvPr id="3" name="内容占位符 2"/>
-          <p:cNvSpPr>
-            <a:spLocks noGrp="1"/>
-          </p:cNvSpPr>
+      <p:pic>
+        <p:nvPicPr>
+          <p:cNvPr id="4" name="内容占位符 3" descr="RTX截图未命名31.png"/>
+          <p:cNvPicPr>
+            <a:picLocks noGrp="1" noChangeAspect="1"/>
+          </p:cNvPicPr>
           <p:nvPr>
             <p:ph idx="1"/>
           </p:nvPr>
-        </p:nvSpPr>
-        <p:spPr/>
-        <p:txBody>
-          <a:bodyPr/>
-          <a:lstStyle/>
-          <a:p>
-            <a:endParaRPr lang="zh-CN" altLang="en-US"/>
-          </a:p>
-        </p:txBody>
-      </p:sp>
+        </p:nvPicPr>
+        <p:blipFill>
+          <a:blip r:embed="rId2" cstate="print"/>
+          <a:stretch>
+            <a:fillRect/>
+          </a:stretch>
+        </p:blipFill>
+        <p:spPr>
+          <a:xfrm>
+            <a:off x="179512" y="1340768"/>
+            <a:ext cx="8229600" cy="877942"/>
+          </a:xfrm>
+        </p:spPr>
+      </p:pic>
+      <p:pic>
+        <p:nvPicPr>
+          <p:cNvPr id="5" name="图片 4" descr="RTX截图未命名32.png"/>
+          <p:cNvPicPr>
+            <a:picLocks noChangeAspect="1"/>
+          </p:cNvPicPr>
+          <p:nvPr/>
+        </p:nvPicPr>
+        <p:blipFill>
+          <a:blip r:embed="rId3" cstate="print"/>
+          <a:stretch>
+            <a:fillRect/>
+          </a:stretch>
+        </p:blipFill>
+        <p:spPr>
+          <a:xfrm>
+            <a:off x="220190" y="2277047"/>
+            <a:ext cx="8923810" cy="4580953"/>
+          </a:xfrm>
+          <a:prstGeom prst="rect">
+            <a:avLst/>
+          </a:prstGeom>
+        </p:spPr>
+      </p:pic>
+    </p:spTree>
+  </p:cSld>
+  <p:clrMapOvr>
+    <a:masterClrMapping/>
+  </p:clrMapOvr>
+</p:sld>
+</file>
+
+<file path=ppt/slides/slide17.xml><?xml version="1.0" encoding="utf-8"?>
+<p:sld xmlns:a="http://schemas.openxmlformats.org/drawingml/2006/main" xmlns:r="http://schemas.openxmlformats.org/officeDocument/2006/relationships" xmlns:p="http://schemas.openxmlformats.org/presentationml/2006/main">
+  <p:cSld>
+    <p:spTree>
+      <p:nvGrpSpPr>
+        <p:cNvPr id="1" name=""/>
+        <p:cNvGrpSpPr/>
+        <p:nvPr/>
+      </p:nvGrpSpPr>
+      <p:grpSpPr>
+        <a:xfrm>
+          <a:off x="0" y="0"/>
+          <a:ext cx="0" cy="0"/>
+          <a:chOff x="0" y="0"/>
+          <a:chExt cx="0" cy="0"/>
+        </a:xfrm>
+      </p:grpSpPr>
+      <p:pic>
+        <p:nvPicPr>
+          <p:cNvPr id="4" name="内容占位符 3" descr="RTX截图未命名33.png"/>
+          <p:cNvPicPr>
+            <a:picLocks noGrp="1" noChangeAspect="1"/>
+          </p:cNvPicPr>
+          <p:nvPr>
+            <p:ph idx="1"/>
+          </p:nvPr>
+        </p:nvPicPr>
+        <p:blipFill>
+          <a:blip r:embed="rId2" cstate="print"/>
+          <a:stretch>
+            <a:fillRect/>
+          </a:stretch>
+        </p:blipFill>
+        <p:spPr>
+          <a:xfrm>
+            <a:off x="467544" y="332656"/>
+            <a:ext cx="8229600" cy="1545258"/>
+          </a:xfrm>
+        </p:spPr>
+      </p:pic>
     </p:spTree>
   </p:cSld>
   <p:clrMapOvr>
@@ -3779,11 +3852,7 @@
             <a:pPr marL="857250" indent="-857250"/>
             <a:r>
               <a:rPr lang="zh-CN" altLang="en-US" dirty="0" smtClean="0"/>
-              <a:t>第一条：考虑</a:t>
-            </a:r>
-            <a:r>
-              <a:rPr lang="zh-CN" altLang="en-US" dirty="0" smtClean="0"/>
-              <a:t>用静态工厂方法代替构造器</a:t>
+              <a:t>第一条：考虑用静态工厂方法代替构造器</a:t>
             </a:r>
             <a:endParaRPr lang="zh-CN" altLang="en-US" dirty="0"/>
           </a:p>
@@ -4365,11 +4434,7 @@
           <a:p>
             <a:r>
               <a:rPr lang="zh-CN" altLang="en-US" dirty="0" smtClean="0"/>
-              <a:t>类如果不含共有的或者受保护的构造器，就不能被子类化</a:t>
-            </a:r>
-            <a:r>
-              <a:rPr lang="zh-CN" altLang="en-US" dirty="0" smtClean="0"/>
-              <a:t>。</a:t>
+              <a:t>类如果不含共有的或者受保护的构造器，就不能被子类化。</a:t>
             </a:r>
             <a:endParaRPr lang="en-US" altLang="zh-CN" dirty="0" smtClean="0"/>
           </a:p>
@@ -4434,11 +4499,7 @@
             <a:pPr marL="857250" indent="-857250"/>
             <a:r>
               <a:rPr lang="zh-CN" altLang="en-US" dirty="0" smtClean="0"/>
-              <a:t>第二</a:t>
-            </a:r>
-            <a:r>
-              <a:rPr lang="zh-CN" altLang="en-US" dirty="0" smtClean="0"/>
-              <a:t>条：遇到多个构造参数时要考虑用构建器</a:t>
+              <a:t>第二条：遇到多个构造参数时要考虑用构建器</a:t>
             </a:r>
             <a:endParaRPr lang="zh-CN" altLang="en-US" dirty="0"/>
           </a:p>
